--- a/presentations/section-6-webhooks/webhooks.pptx
+++ b/presentations/section-6-webhooks/webhooks.pptx
@@ -493,7 +493,7 @@
           <a:p>
             <a:fld id="{D7841AF4-2F3C-1246-8B66-852E7093BF61}" type="datetimeFigureOut">
               <a:rPr lang="en-US" smtClean="0"/>
-              <a:t>6/19/18</a:t>
+              <a:t>10/8/18</a:t>
             </a:fld>
             <a:endParaRPr lang="en-US"/>
           </a:p>
@@ -13072,7 +13072,7 @@
           </a:ln>
           <a:extLst>
             <a:ext uri="{C572A759-6A51-4108-AA02-DFA0A04FC94B}">
-              <ma14:wrappingTextBoxFlag xmlns="" xmlns:ma14="http://schemas.microsoft.com/office/mac/drawingml/2011/main" val="1"/>
+              <ma14:wrappingTextBoxFlag xmlns:ma14="http://schemas.microsoft.com/office/mac/drawingml/2011/main" xmlns="" val="1"/>
             </a:ext>
           </a:extLst>
         </p:spPr>
@@ -18371,7 +18371,7 @@
           </a:prstGeom>
           <a:extLst>
             <a:ext uri="{C572A759-6A51-4108-AA02-DFA0A04FC94B}">
-              <ma14:wrappingTextBoxFlag xmlns="" xmlns:ma14="http://schemas.microsoft.com/office/mac/drawingml/2011/main" val="1"/>
+              <ma14:wrappingTextBoxFlag xmlns:ma14="http://schemas.microsoft.com/office/mac/drawingml/2011/main" xmlns="" val="1"/>
             </a:ext>
           </a:extLst>
         </p:spPr>
@@ -19962,7 +19962,7 @@
           </a:prstGeom>
           <a:extLst>
             <a:ext uri="{C572A759-6A51-4108-AA02-DFA0A04FC94B}">
-              <ma14:wrappingTextBoxFlag xmlns="" xmlns:ma14="http://schemas.microsoft.com/office/mac/drawingml/2011/main" val="1"/>
+              <ma14:wrappingTextBoxFlag xmlns:ma14="http://schemas.microsoft.com/office/mac/drawingml/2011/main" xmlns="" val="1"/>
             </a:ext>
           </a:extLst>
         </p:spPr>
@@ -21039,7 +21039,7 @@
           </a:ln>
           <a:extLst>
             <a:ext uri="{C572A759-6A51-4108-AA02-DFA0A04FC94B}">
-              <ma14:wrappingTextBoxFlag xmlns="" xmlns:ma14="http://schemas.microsoft.com/office/mac/drawingml/2011/main" val="1"/>
+              <ma14:wrappingTextBoxFlag xmlns:ma14="http://schemas.microsoft.com/office/mac/drawingml/2011/main" xmlns="" val="1"/>
             </a:ext>
           </a:extLst>
         </p:spPr>
@@ -23437,7 +23437,7 @@
           </a:prstGeom>
           <a:extLst>
             <a:ext uri="{C572A759-6A51-4108-AA02-DFA0A04FC94B}">
-              <ma14:wrappingTextBoxFlag xmlns="" xmlns:ma14="http://schemas.microsoft.com/office/mac/drawingml/2011/main" val="1"/>
+              <ma14:wrappingTextBoxFlag xmlns:ma14="http://schemas.microsoft.com/office/mac/drawingml/2011/main" xmlns="" val="1"/>
             </a:ext>
           </a:extLst>
         </p:spPr>
@@ -23470,7 +23470,7 @@
           </a:prstGeom>
           <a:extLst>
             <a:ext uri="{C572A759-6A51-4108-AA02-DFA0A04FC94B}">
-              <ma14:wrappingTextBoxFlag xmlns="" xmlns:ma14="http://schemas.microsoft.com/office/mac/drawingml/2011/main" val="1"/>
+              <ma14:wrappingTextBoxFlag xmlns:ma14="http://schemas.microsoft.com/office/mac/drawingml/2011/main" xmlns="" val="1"/>
             </a:ext>
           </a:extLst>
         </p:spPr>
@@ -23592,7 +23592,7 @@
           </a:prstGeom>
           <a:extLst>
             <a:ext uri="{C572A759-6A51-4108-AA02-DFA0A04FC94B}">
-              <ma14:wrappingTextBoxFlag xmlns="" xmlns:ma14="http://schemas.microsoft.com/office/mac/drawingml/2011/main" val="1"/>
+              <ma14:wrappingTextBoxFlag xmlns:ma14="http://schemas.microsoft.com/office/mac/drawingml/2011/main" xmlns="" val="1"/>
             </a:ext>
           </a:extLst>
         </p:spPr>
@@ -25227,7 +25227,7 @@
           </a:prstGeom>
           <a:extLst>
             <a:ext uri="{C572A759-6A51-4108-AA02-DFA0A04FC94B}">
-              <ma14:wrappingTextBoxFlag xmlns="" xmlns:ma14="http://schemas.microsoft.com/office/mac/drawingml/2011/main" val="1"/>
+              <ma14:wrappingTextBoxFlag xmlns:ma14="http://schemas.microsoft.com/office/mac/drawingml/2011/main" xmlns="" val="1"/>
             </a:ext>
           </a:extLst>
         </p:spPr>
@@ -25260,7 +25260,7 @@
           </a:prstGeom>
           <a:extLst>
             <a:ext uri="{C572A759-6A51-4108-AA02-DFA0A04FC94B}">
-              <ma14:wrappingTextBoxFlag xmlns="" xmlns:ma14="http://schemas.microsoft.com/office/mac/drawingml/2011/main" val="1"/>
+              <ma14:wrappingTextBoxFlag xmlns:ma14="http://schemas.microsoft.com/office/mac/drawingml/2011/main" xmlns="" val="1"/>
             </a:ext>
           </a:extLst>
         </p:spPr>
@@ -25371,7 +25371,7 @@
           </a:prstGeom>
           <a:extLst>
             <a:ext uri="{C572A759-6A51-4108-AA02-DFA0A04FC94B}">
-              <ma14:wrappingTextBoxFlag xmlns="" xmlns:ma14="http://schemas.microsoft.com/office/mac/drawingml/2011/main" val="1"/>
+              <ma14:wrappingTextBoxFlag xmlns:ma14="http://schemas.microsoft.com/office/mac/drawingml/2011/main" xmlns="" val="1"/>
             </a:ext>
           </a:extLst>
         </p:spPr>
@@ -26972,47 +26972,6 @@
       </p:grpSpPr>
       <p:sp>
         <p:nvSpPr>
-          <p:cNvPr id="12" name="Shape 282"/>
-          <p:cNvSpPr>
-            <a:spLocks noGrp="1"/>
-          </p:cNvSpPr>
-          <p:nvPr>
-            <p:ph type="title"/>
-          </p:nvPr>
-        </p:nvSpPr>
-        <p:spPr/>
-        <p:txBody>
-          <a:bodyPr lIns="0" tIns="0" rIns="0" bIns="0" anchor="t"/>
-          <a:lstStyle/>
-          <a:p>
-            <a:r>
-              <a:rPr lang="en-US" dirty="0">
-                <a:solidFill>
-                  <a:schemeClr val="bg1"/>
-                </a:solidFill>
-              </a:rPr>
-              <a:t>Box Platform Developer Workshop</a:t>
-            </a:r>
-            <a:br>
-              <a:rPr lang="en-US" dirty="0">
-                <a:solidFill>
-                  <a:schemeClr val="bg1"/>
-                </a:solidFill>
-              </a:rPr>
-            </a:br>
-            <a:r>
-              <a:rPr lang="en-US" dirty="0">
-                <a:solidFill>
-                  <a:schemeClr val="bg1"/>
-                </a:solidFill>
-              </a:rPr>
-              <a:t>Cummins</a:t>
-            </a:r>
-          </a:p>
-        </p:txBody>
-      </p:sp>
-      <p:sp>
-        <p:nvSpPr>
           <p:cNvPr id="44" name="Text Placeholder 43"/>
           <p:cNvSpPr>
             <a:spLocks noGrp="1"/>
@@ -27078,6 +27037,48 @@
               <a:t>jcleblanc</a:t>
             </a:r>
             <a:endParaRPr lang="en-US" dirty="0"/>
+          </a:p>
+        </p:txBody>
+      </p:sp>
+      <p:sp>
+        <p:nvSpPr>
+          <p:cNvPr id="6" name="Shape 282">
+            <a:extLst>
+              <a:ext uri="{FF2B5EF4-FFF2-40B4-BE49-F238E27FC236}">
+                <a16:creationId xmlns:a16="http://schemas.microsoft.com/office/drawing/2014/main" id="{EC67CE19-5CB9-0346-9B1A-C69674616E23}"/>
+              </a:ext>
+            </a:extLst>
+          </p:cNvPr>
+          <p:cNvSpPr>
+            <a:spLocks noGrp="1"/>
+          </p:cNvSpPr>
+          <p:nvPr>
+            <p:ph type="title"/>
+          </p:nvPr>
+        </p:nvSpPr>
+        <p:spPr>
+          <a:xfrm>
+            <a:off x="914145" y="2867891"/>
+            <a:ext cx="10044800" cy="1411502"/>
+          </a:xfrm>
+        </p:spPr>
+        <p:txBody>
+          <a:bodyPr lIns="0" tIns="0" rIns="0" bIns="0" anchor="t"/>
+          <a:lstStyle/>
+          <a:p>
+            <a:r>
+              <a:rPr lang="en-US" sz="4800" dirty="0">
+                <a:solidFill>
+                  <a:srgbClr val="FEFFFF"/>
+                </a:solidFill>
+              </a:rPr>
+              <a:t>Box Platform Developer Workshop</a:t>
+            </a:r>
+            <a:endParaRPr lang="en-US" dirty="0">
+              <a:solidFill>
+                <a:schemeClr val="bg1"/>
+              </a:solidFill>
+            </a:endParaRPr>
           </a:p>
         </p:txBody>
       </p:sp>
@@ -27170,7 +27171,7 @@
           </a:ln>
           <a:extLst>
             <a:ext uri="{C572A759-6A51-4108-AA02-DFA0A04FC94B}">
-              <ma14:wrappingTextBoxFlag xmlns="" xmlns:ma14="http://schemas.microsoft.com/office/mac/drawingml/2011/main" val="1"/>
+              <ma14:wrappingTextBoxFlag xmlns:ma14="http://schemas.microsoft.com/office/mac/drawingml/2011/main" xmlns="" val="1"/>
             </a:ext>
           </a:extLst>
         </p:spPr>
@@ -28014,7 +28015,7 @@
           </a:prstGeom>
           <a:extLst>
             <a:ext uri="{C572A759-6A51-4108-AA02-DFA0A04FC94B}">
-              <ma14:wrappingTextBoxFlag xmlns="" xmlns:ma14="http://schemas.microsoft.com/office/mac/drawingml/2011/main" val="1"/>
+              <ma14:wrappingTextBoxFlag xmlns:ma14="http://schemas.microsoft.com/office/mac/drawingml/2011/main" xmlns="" val="1"/>
             </a:ext>
           </a:extLst>
         </p:spPr>
@@ -28399,7 +28400,7 @@
           </a:prstGeom>
           <a:extLst>
             <a:ext uri="{C572A759-6A51-4108-AA02-DFA0A04FC94B}">
-              <ma14:wrappingTextBoxFlag xmlns="" xmlns:ma14="http://schemas.microsoft.com/office/mac/drawingml/2011/main" val="1"/>
+              <ma14:wrappingTextBoxFlag xmlns:ma14="http://schemas.microsoft.com/office/mac/drawingml/2011/main" xmlns="" val="1"/>
             </a:ext>
           </a:extLst>
         </p:spPr>
@@ -29680,7 +29681,7 @@
         </a:ln>
         <a:extLst>
           <a:ext uri="{C572A759-6A51-4108-AA02-DFA0A04FC94B}">
-            <ma14:wrappingTextBoxFlag xmlns="" xmlns:ma14="http://schemas.microsoft.com/office/mac/drawingml/2011/main" val="1"/>
+            <ma14:wrappingTextBoxFlag xmlns:ma14="http://schemas.microsoft.com/office/mac/drawingml/2011/main" xmlns="" val="1"/>
           </a:ext>
         </a:extLst>
       </a:spPr>
@@ -30282,7 +30283,7 @@
         </a:ln>
         <a:extLst>
           <a:ext uri="{C572A759-6A51-4108-AA02-DFA0A04FC94B}">
-            <ma14:wrappingTextBoxFlag xmlns="" xmlns:ma14="http://schemas.microsoft.com/office/mac/drawingml/2011/main" val="1"/>
+            <ma14:wrappingTextBoxFlag xmlns:ma14="http://schemas.microsoft.com/office/mac/drawingml/2011/main" xmlns="" val="1"/>
           </a:ext>
         </a:extLst>
       </a:spPr>
